--- a/Slides/15. Alocação Dinâmica de Memória.pptx
+++ b/Slides/15. Alocação Dinâmica de Memória.pptx
@@ -1767,10 +1767,17 @@
   <pc:docChgLst>
     <pc:chgData name="Judson Santiago" userId="ebb108da2f256286" providerId="LiveId" clId="{177184AC-F9F1-4110-9E54-BA9CB068460B}"/>
     <pc:docChg chg="undo redo custSel addSld delSld modSld modMainMaster">
-      <pc:chgData name="Judson Santiago" userId="ebb108da2f256286" providerId="LiveId" clId="{177184AC-F9F1-4110-9E54-BA9CB068460B}" dt="2021-04-23T05:35:52.379" v="3181" actId="6549"/>
+      <pc:chgData name="Judson Santiago" userId="ebb108da2f256286" providerId="LiveId" clId="{177184AC-F9F1-4110-9E54-BA9CB068460B}" dt="2021-04-23T17:51:16.624" v="3182"/>
       <pc:docMkLst>
         <pc:docMk/>
       </pc:docMkLst>
+      <pc:sldChg chg="modNotesTx">
+        <pc:chgData name="Judson Santiago" userId="ebb108da2f256286" providerId="LiveId" clId="{177184AC-F9F1-4110-9E54-BA9CB068460B}" dt="2021-04-23T17:51:16.624" v="3182"/>
+        <pc:sldMkLst>
+          <pc:docMk/>
+          <pc:sldMk cId="0" sldId="256"/>
+        </pc:sldMkLst>
+      </pc:sldChg>
       <pc:sldChg chg="addSp delSp modSp mod modNotesTx">
         <pc:chgData name="Judson Santiago" userId="ebb108da2f256286" providerId="LiveId" clId="{177184AC-F9F1-4110-9E54-BA9CB068460B}" dt="2021-04-23T04:40:19.346" v="2815" actId="6549"/>
         <pc:sldMkLst>
@@ -6166,15 +6173,16 @@
           <a:lstStyle/>
           <a:p>
             <a:r>
-              <a:rPr lang="pt-BR" dirty="0"/>
-              <a:t>Inicialmente vimos que...</a:t>
-            </a:r>
-          </a:p>
-          <a:p>
-            <a:r>
-              <a:rPr lang="pt-BR" dirty="0"/>
-              <a:t>Mas quem vai querer criar um ponteiro para fazer algo que já pode ser feito de forma mais simples e direta com uma variável comum? Ponteiros não são usados assim.</a:t>
-            </a:r>
+              <a:rPr lang="pt-BR" b="0" i="0" dirty="0">
+                <a:solidFill>
+                  <a:srgbClr val="000000"/>
+                </a:solidFill>
+                <a:effectLst/>
+                <a:latin typeface="Verdana" panose="020B0604030504040204" pitchFamily="34" charset="0"/>
+              </a:rPr>
+              <a:t>Alocação dinâmica de memória usando new e delete. Vazamento de memória e outros problemas comuns. Vetores dinâmicos. Aritmética de ponteiros. Vetores dinâmicos versus estáticos. Registros dinâmicos. Vetores dinâmicos de registros. Exercícios.</a:t>
+            </a:r>
+            <a:endParaRPr lang="pt-BR" dirty="0"/>
           </a:p>
         </p:txBody>
       </p:sp>
@@ -6196,7 +6204,7 @@
             <a:fld id="{43331ED6-6D14-48A8-97BD-7BF3D7B9109B}" type="slidenum">
               <a:rPr lang="pt-BR" smtClean="0"/>
               <a:pPr/>
-              <a:t>3</a:t>
+              <a:t>1</a:t>
             </a:fld>
             <a:endParaRPr lang="pt-BR"/>
           </a:p>
@@ -6205,7 +6213,7 @@
     </p:spTree>
     <p:extLst>
       <p:ext uri="{BB962C8B-B14F-4D97-AF65-F5344CB8AC3E}">
-        <p14:creationId xmlns:p14="http://schemas.microsoft.com/office/powerpoint/2010/main" val="2110613006"/>
+        <p14:creationId xmlns:p14="http://schemas.microsoft.com/office/powerpoint/2010/main" val="400192903"/>
       </p:ext>
     </p:extLst>
   </p:cSld>
@@ -6234,7 +6242,7 @@
       </p:grpSpPr>
       <p:sp>
         <p:nvSpPr>
-          <p:cNvPr id="2" name="Slide Image Placeholder 1"/>
+          <p:cNvPr id="2" name="Espaço Reservado para Imagem de Slide 1"/>
           <p:cNvSpPr>
             <a:spLocks noGrp="1" noRot="1" noChangeAspect="1"/>
           </p:cNvSpPr>
@@ -6251,7 +6259,7 @@
       </p:sp>
       <p:sp>
         <p:nvSpPr>
-          <p:cNvPr id="3" name="Notes Placeholder 2"/>
+          <p:cNvPr id="3" name="Espaço Reservado para Anotações 2"/>
           <p:cNvSpPr>
             <a:spLocks noGrp="1"/>
           </p:cNvSpPr>
@@ -6261,16 +6269,22 @@
         </p:nvSpPr>
         <p:spPr/>
         <p:txBody>
-          <a:bodyPr/>
+          <a:bodyPr>
+            <a:normAutofit/>
+          </a:bodyPr>
           <a:lstStyle/>
           <a:p>
             <a:r>
               <a:rPr lang="pt-BR" dirty="0"/>
-              <a:t>Um vetor dinâmico</a:t>
+              <a:t>O</a:t>
             </a:r>
             <a:r>
               <a:rPr lang="pt-BR" baseline="0" dirty="0"/>
-              <a:t> nada mais é do que um bloco de memória alocado manualmente e apontado por um ponteiro.</a:t>
+              <a:t> principal uso de new e delete é para criar vetores e registros </a:t>
+            </a:r>
+            <a:r>
+              <a:rPr lang="pt-BR" baseline="0"/>
+              <a:t>dinâmicos.</a:t>
             </a:r>
             <a:endParaRPr lang="pt-BR" dirty="0"/>
           </a:p>
@@ -6278,7 +6292,7 @@
       </p:sp>
       <p:sp>
         <p:nvSpPr>
-          <p:cNvPr id="4" name="Slide Number Placeholder 3"/>
+          <p:cNvPr id="4" name="Espaço Reservado para Número de Slide 3"/>
           <p:cNvSpPr>
             <a:spLocks noGrp="1"/>
           </p:cNvSpPr>
@@ -6294,7 +6308,7 @@
             <a:fld id="{43331ED6-6D14-48A8-97BD-7BF3D7B9109B}" type="slidenum">
               <a:rPr lang="pt-BR" smtClean="0"/>
               <a:pPr/>
-              <a:t>21</a:t>
+              <a:t>20</a:t>
             </a:fld>
             <a:endParaRPr lang="pt-BR"/>
           </a:p>
@@ -6303,7 +6317,7 @@
     </p:spTree>
     <p:extLst>
       <p:ext uri="{BB962C8B-B14F-4D97-AF65-F5344CB8AC3E}">
-        <p14:creationId xmlns:p14="http://schemas.microsoft.com/office/powerpoint/2010/main" val="1906317404"/>
+        <p14:creationId xmlns:p14="http://schemas.microsoft.com/office/powerpoint/2010/main" val="3134964097"/>
       </p:ext>
     </p:extLst>
   </p:cSld>
@@ -6364,8 +6378,13 @@
           <a:p>
             <a:r>
               <a:rPr lang="pt-BR" dirty="0"/>
-              <a:t>A palavra dinâmico não significa que ele pode mudar de tamanho, significa que ele pode ser criado durante a execução do programa.</a:t>
-            </a:r>
+              <a:t>Um vetor dinâmico</a:t>
+            </a:r>
+            <a:r>
+              <a:rPr lang="pt-BR" baseline="0" dirty="0"/>
+              <a:t> nada mais é do que um bloco de memória alocado manualmente e apontado por um ponteiro.</a:t>
+            </a:r>
+            <a:endParaRPr lang="pt-BR" dirty="0"/>
           </a:p>
         </p:txBody>
       </p:sp>
@@ -6387,7 +6406,7 @@
             <a:fld id="{43331ED6-6D14-48A8-97BD-7BF3D7B9109B}" type="slidenum">
               <a:rPr lang="pt-BR" smtClean="0"/>
               <a:pPr/>
-              <a:t>22</a:t>
+              <a:t>21</a:t>
             </a:fld>
             <a:endParaRPr lang="pt-BR"/>
           </a:p>
@@ -6396,7 +6415,7 @@
     </p:spTree>
     <p:extLst>
       <p:ext uri="{BB962C8B-B14F-4D97-AF65-F5344CB8AC3E}">
-        <p14:creationId xmlns:p14="http://schemas.microsoft.com/office/powerpoint/2010/main" val="3843582488"/>
+        <p14:creationId xmlns:p14="http://schemas.microsoft.com/office/powerpoint/2010/main" val="1906317404"/>
       </p:ext>
     </p:extLst>
   </p:cSld>
@@ -6457,7 +6476,7 @@
           <a:p>
             <a:r>
               <a:rPr lang="pt-BR" dirty="0"/>
-              <a:t>Mas ele continua sendo um ponteiro, por isso pode ser usado com a notação *vet.</a:t>
+              <a:t>A palavra dinâmico não significa que ele pode mudar de tamanho, significa que ele pode ser criado durante a execução do programa.</a:t>
             </a:r>
           </a:p>
         </p:txBody>
@@ -6480,6 +6499,99 @@
             <a:fld id="{43331ED6-6D14-48A8-97BD-7BF3D7B9109B}" type="slidenum">
               <a:rPr lang="pt-BR" smtClean="0"/>
               <a:pPr/>
+              <a:t>22</a:t>
+            </a:fld>
+            <a:endParaRPr lang="pt-BR"/>
+          </a:p>
+        </p:txBody>
+      </p:sp>
+    </p:spTree>
+    <p:extLst>
+      <p:ext uri="{BB962C8B-B14F-4D97-AF65-F5344CB8AC3E}">
+        <p14:creationId xmlns:p14="http://schemas.microsoft.com/office/powerpoint/2010/main" val="3843582488"/>
+      </p:ext>
+    </p:extLst>
+  </p:cSld>
+  <p:clrMapOvr>
+    <a:masterClrMapping/>
+  </p:clrMapOvr>
+</p:notes>
+</file>
+
+<file path=ppt/notesSlides/notesSlide13.xml><?xml version="1.0" encoding="utf-8"?>
+<p:notes xmlns:a="http://schemas.openxmlformats.org/drawingml/2006/main" xmlns:r="http://schemas.openxmlformats.org/officeDocument/2006/relationships" xmlns:p="http://schemas.openxmlformats.org/presentationml/2006/main">
+  <p:cSld>
+    <p:spTree>
+      <p:nvGrpSpPr>
+        <p:cNvPr id="1" name=""/>
+        <p:cNvGrpSpPr/>
+        <p:nvPr/>
+      </p:nvGrpSpPr>
+      <p:grpSpPr>
+        <a:xfrm>
+          <a:off x="0" y="0"/>
+          <a:ext cx="0" cy="0"/>
+          <a:chOff x="0" y="0"/>
+          <a:chExt cx="0" cy="0"/>
+        </a:xfrm>
+      </p:grpSpPr>
+      <p:sp>
+        <p:nvSpPr>
+          <p:cNvPr id="2" name="Slide Image Placeholder 1"/>
+          <p:cNvSpPr>
+            <a:spLocks noGrp="1" noRot="1" noChangeAspect="1"/>
+          </p:cNvSpPr>
+          <p:nvPr>
+            <p:ph type="sldImg"/>
+          </p:nvPr>
+        </p:nvSpPr>
+        <p:spPr>
+          <a:xfrm>
+            <a:off x="381000" y="685800"/>
+            <a:ext cx="6096000" cy="3429000"/>
+          </a:xfrm>
+        </p:spPr>
+      </p:sp>
+      <p:sp>
+        <p:nvSpPr>
+          <p:cNvPr id="3" name="Notes Placeholder 2"/>
+          <p:cNvSpPr>
+            <a:spLocks noGrp="1"/>
+          </p:cNvSpPr>
+          <p:nvPr>
+            <p:ph type="body" idx="1"/>
+          </p:nvPr>
+        </p:nvSpPr>
+        <p:spPr/>
+        <p:txBody>
+          <a:bodyPr/>
+          <a:lstStyle/>
+          <a:p>
+            <a:r>
+              <a:rPr lang="pt-BR" dirty="0"/>
+              <a:t>Mas ele continua sendo um ponteiro, por isso pode ser usado com a notação *vet.</a:t>
+            </a:r>
+          </a:p>
+        </p:txBody>
+      </p:sp>
+      <p:sp>
+        <p:nvSpPr>
+          <p:cNvPr id="4" name="Slide Number Placeholder 3"/>
+          <p:cNvSpPr>
+            <a:spLocks noGrp="1"/>
+          </p:cNvSpPr>
+          <p:nvPr>
+            <p:ph type="sldNum" sz="quarter" idx="10"/>
+          </p:nvPr>
+        </p:nvSpPr>
+        <p:spPr/>
+        <p:txBody>
+          <a:bodyPr/>
+          <a:lstStyle/>
+          <a:p>
+            <a:fld id="{43331ED6-6D14-48A8-97BD-7BF3D7B9109B}" type="slidenum">
+              <a:rPr lang="pt-BR" smtClean="0"/>
+              <a:pPr/>
               <a:t>23</a:t>
             </a:fld>
             <a:endParaRPr lang="pt-BR"/>
@@ -6499,7 +6611,7 @@
 </p:notes>
 </file>
 
-<file path=ppt/notesSlides/notesSlide13.xml><?xml version="1.0" encoding="utf-8"?>
+<file path=ppt/notesSlides/notesSlide14.xml><?xml version="1.0" encoding="utf-8"?>
 <p:notes xmlns:a="http://schemas.openxmlformats.org/drawingml/2006/main" xmlns:r="http://schemas.openxmlformats.org/officeDocument/2006/relationships" xmlns:p="http://schemas.openxmlformats.org/presentationml/2006/main">
   <p:cSld>
     <p:spTree>
@@ -6597,7 +6709,7 @@
 </p:notes>
 </file>
 
-<file path=ppt/notesSlides/notesSlide14.xml><?xml version="1.0" encoding="utf-8"?>
+<file path=ppt/notesSlides/notesSlide15.xml><?xml version="1.0" encoding="utf-8"?>
 <p:notes xmlns:a="http://schemas.openxmlformats.org/drawingml/2006/main" xmlns:r="http://schemas.openxmlformats.org/officeDocument/2006/relationships" xmlns:p="http://schemas.openxmlformats.org/presentationml/2006/main">
   <p:cSld>
     <p:spTree>
@@ -6704,7 +6816,7 @@
 </p:notes>
 </file>
 
-<file path=ppt/notesSlides/notesSlide15.xml><?xml version="1.0" encoding="utf-8"?>
+<file path=ppt/notesSlides/notesSlide16.xml><?xml version="1.0" encoding="utf-8"?>
 <p:notes xmlns:a="http://schemas.openxmlformats.org/drawingml/2006/main" xmlns:r="http://schemas.openxmlformats.org/officeDocument/2006/relationships" xmlns:p="http://schemas.openxmlformats.org/presentationml/2006/main">
   <p:cSld>
     <p:spTree>
@@ -6821,7 +6933,7 @@
 </p:notes>
 </file>
 
-<file path=ppt/notesSlides/notesSlide16.xml><?xml version="1.0" encoding="utf-8"?>
+<file path=ppt/notesSlides/notesSlide17.xml><?xml version="1.0" encoding="utf-8"?>
 <p:notes xmlns:a="http://schemas.openxmlformats.org/drawingml/2006/main" xmlns:r="http://schemas.openxmlformats.org/officeDocument/2006/relationships" xmlns:p="http://schemas.openxmlformats.org/presentationml/2006/main">
   <p:cSld>
     <p:spTree>
@@ -6926,7 +7038,7 @@
 </p:notes>
 </file>
 
-<file path=ppt/notesSlides/notesSlide17.xml><?xml version="1.0" encoding="utf-8"?>
+<file path=ppt/notesSlides/notesSlide18.xml><?xml version="1.0" encoding="utf-8"?>
 <p:notes xmlns:a="http://schemas.openxmlformats.org/drawingml/2006/main" xmlns:r="http://schemas.openxmlformats.org/officeDocument/2006/relationships" xmlns:p="http://schemas.openxmlformats.org/presentationml/2006/main">
   <p:cSld>
     <p:spTree>
@@ -7055,6 +7167,100 @@
           <a:bodyPr/>
           <a:lstStyle/>
           <a:p>
+            <a:r>
+              <a:rPr lang="pt-BR" dirty="0"/>
+              <a:t>Inicialmente vimos que...</a:t>
+            </a:r>
+          </a:p>
+          <a:p>
+            <a:r>
+              <a:rPr lang="pt-BR" dirty="0"/>
+              <a:t>Mas quem vai querer criar um ponteiro para fazer algo que já pode ser feito de forma mais simples e direta com uma variável comum? Ponteiros não são usados assim.</a:t>
+            </a:r>
+          </a:p>
+        </p:txBody>
+      </p:sp>
+      <p:sp>
+        <p:nvSpPr>
+          <p:cNvPr id="4" name="Espaço Reservado para Número de Slide 3"/>
+          <p:cNvSpPr>
+            <a:spLocks noGrp="1"/>
+          </p:cNvSpPr>
+          <p:nvPr>
+            <p:ph type="sldNum" sz="quarter" idx="5"/>
+          </p:nvPr>
+        </p:nvSpPr>
+        <p:spPr/>
+        <p:txBody>
+          <a:bodyPr/>
+          <a:lstStyle/>
+          <a:p>
+            <a:fld id="{43331ED6-6D14-48A8-97BD-7BF3D7B9109B}" type="slidenum">
+              <a:rPr lang="pt-BR" smtClean="0"/>
+              <a:pPr/>
+              <a:t>3</a:t>
+            </a:fld>
+            <a:endParaRPr lang="pt-BR"/>
+          </a:p>
+        </p:txBody>
+      </p:sp>
+    </p:spTree>
+    <p:extLst>
+      <p:ext uri="{BB962C8B-B14F-4D97-AF65-F5344CB8AC3E}">
+        <p14:creationId xmlns:p14="http://schemas.microsoft.com/office/powerpoint/2010/main" val="2110613006"/>
+      </p:ext>
+    </p:extLst>
+  </p:cSld>
+  <p:clrMapOvr>
+    <a:masterClrMapping/>
+  </p:clrMapOvr>
+</p:notes>
+</file>
+
+<file path=ppt/notesSlides/notesSlide3.xml><?xml version="1.0" encoding="utf-8"?>
+<p:notes xmlns:a="http://schemas.openxmlformats.org/drawingml/2006/main" xmlns:r="http://schemas.openxmlformats.org/officeDocument/2006/relationships" xmlns:p="http://schemas.openxmlformats.org/presentationml/2006/main">
+  <p:cSld>
+    <p:spTree>
+      <p:nvGrpSpPr>
+        <p:cNvPr id="1" name=""/>
+        <p:cNvGrpSpPr/>
+        <p:nvPr/>
+      </p:nvGrpSpPr>
+      <p:grpSpPr>
+        <a:xfrm>
+          <a:off x="0" y="0"/>
+          <a:ext cx="0" cy="0"/>
+          <a:chOff x="0" y="0"/>
+          <a:chExt cx="0" cy="0"/>
+        </a:xfrm>
+      </p:grpSpPr>
+      <p:sp>
+        <p:nvSpPr>
+          <p:cNvPr id="2" name="Espaço Reservado para Imagem de Slide 1"/>
+          <p:cNvSpPr>
+            <a:spLocks noGrp="1" noRot="1" noChangeAspect="1"/>
+          </p:cNvSpPr>
+          <p:nvPr>
+            <p:ph type="sldImg"/>
+          </p:nvPr>
+        </p:nvSpPr>
+        <p:spPr/>
+      </p:sp>
+      <p:sp>
+        <p:nvSpPr>
+          <p:cNvPr id="3" name="Espaço Reservado para Anotações 2"/>
+          <p:cNvSpPr>
+            <a:spLocks noGrp="1"/>
+          </p:cNvSpPr>
+          <p:nvPr>
+            <p:ph type="body" idx="1"/>
+          </p:nvPr>
+        </p:nvSpPr>
+        <p:spPr/>
+        <p:txBody>
+          <a:bodyPr/>
+          <a:lstStyle/>
+          <a:p>
             <a:endParaRPr lang="pt-BR" dirty="0"/>
           </a:p>
         </p:txBody>
@@ -7096,7 +7302,7 @@
 </p:notes>
 </file>
 
-<file path=ppt/notesSlides/notesSlide3.xml><?xml version="1.0" encoding="utf-8"?>
+<file path=ppt/notesSlides/notesSlide4.xml><?xml version="1.0" encoding="utf-8"?>
 <p:notes xmlns:a="http://schemas.openxmlformats.org/drawingml/2006/main" xmlns:r="http://schemas.openxmlformats.org/officeDocument/2006/relationships" xmlns:p="http://schemas.openxmlformats.org/presentationml/2006/main">
   <p:cSld>
     <p:spTree>
@@ -7193,91 +7399,6 @@
     <p:extLst>
       <p:ext uri="{BB962C8B-B14F-4D97-AF65-F5344CB8AC3E}">
         <p14:creationId xmlns:p14="http://schemas.microsoft.com/office/powerpoint/2010/main" val="1722399607"/>
-      </p:ext>
-    </p:extLst>
-  </p:cSld>
-  <p:clrMapOvr>
-    <a:masterClrMapping/>
-  </p:clrMapOvr>
-</p:notes>
-</file>
-
-<file path=ppt/notesSlides/notesSlide4.xml><?xml version="1.0" encoding="utf-8"?>
-<p:notes xmlns:a="http://schemas.openxmlformats.org/drawingml/2006/main" xmlns:r="http://schemas.openxmlformats.org/officeDocument/2006/relationships" xmlns:p="http://schemas.openxmlformats.org/presentationml/2006/main">
-  <p:cSld>
-    <p:spTree>
-      <p:nvGrpSpPr>
-        <p:cNvPr id="1" name=""/>
-        <p:cNvGrpSpPr/>
-        <p:nvPr/>
-      </p:nvGrpSpPr>
-      <p:grpSpPr>
-        <a:xfrm>
-          <a:off x="0" y="0"/>
-          <a:ext cx="0" cy="0"/>
-          <a:chOff x="0" y="0"/>
-          <a:chExt cx="0" cy="0"/>
-        </a:xfrm>
-      </p:grpSpPr>
-      <p:sp>
-        <p:nvSpPr>
-          <p:cNvPr id="2" name="Espaço Reservado para Imagem de Slide 1"/>
-          <p:cNvSpPr>
-            <a:spLocks noGrp="1" noRot="1" noChangeAspect="1"/>
-          </p:cNvSpPr>
-          <p:nvPr>
-            <p:ph type="sldImg"/>
-          </p:nvPr>
-        </p:nvSpPr>
-        <p:spPr/>
-      </p:sp>
-      <p:sp>
-        <p:nvSpPr>
-          <p:cNvPr id="3" name="Espaço Reservado para Anotações 2"/>
-          <p:cNvSpPr>
-            <a:spLocks noGrp="1"/>
-          </p:cNvSpPr>
-          <p:nvPr>
-            <p:ph type="body" idx="1"/>
-          </p:nvPr>
-        </p:nvSpPr>
-        <p:spPr/>
-        <p:txBody>
-          <a:bodyPr/>
-          <a:lstStyle/>
-          <a:p>
-            <a:endParaRPr lang="pt-BR" dirty="0"/>
-          </a:p>
-        </p:txBody>
-      </p:sp>
-      <p:sp>
-        <p:nvSpPr>
-          <p:cNvPr id="4" name="Espaço Reservado para Número de Slide 3"/>
-          <p:cNvSpPr>
-            <a:spLocks noGrp="1"/>
-          </p:cNvSpPr>
-          <p:nvPr>
-            <p:ph type="sldNum" sz="quarter" idx="5"/>
-          </p:nvPr>
-        </p:nvSpPr>
-        <p:spPr/>
-        <p:txBody>
-          <a:bodyPr/>
-          <a:lstStyle/>
-          <a:p>
-            <a:fld id="{43331ED6-6D14-48A8-97BD-7BF3D7B9109B}" type="slidenum">
-              <a:rPr lang="pt-BR" smtClean="0"/>
-              <a:pPr/>
-              <a:t>8</a:t>
-            </a:fld>
-            <a:endParaRPr lang="pt-BR"/>
-          </a:p>
-        </p:txBody>
-      </p:sp>
-    </p:spTree>
-    <p:extLst>
-      <p:ext uri="{BB962C8B-B14F-4D97-AF65-F5344CB8AC3E}">
-        <p14:creationId xmlns:p14="http://schemas.microsoft.com/office/powerpoint/2010/main" val="2994924058"/>
       </p:ext>
     </p:extLst>
   </p:cSld>
@@ -7331,23 +7452,7 @@
           <a:bodyPr/>
           <a:lstStyle/>
           <a:p>
-            <a:r>
-              <a:rPr lang="pt-BR" dirty="0"/>
-              <a:t>No exemplo</a:t>
-            </a:r>
-            <a:r>
-              <a:rPr lang="pt-BR" baseline="0" dirty="0"/>
-              <a:t> anterior ficou faltando uma coisa importante, usar o </a:t>
-            </a:r>
-            <a:r>
-              <a:rPr lang="pt-BR" b="1" baseline="0" dirty="0"/>
-              <a:t>delete</a:t>
-            </a:r>
-            <a:r>
-              <a:rPr lang="pt-BR" b="0" baseline="0" dirty="0"/>
-              <a:t> para liberar a memória alocada.</a:t>
-            </a:r>
-            <a:endParaRPr lang="pt-BR" b="0" dirty="0"/>
+            <a:endParaRPr lang="pt-BR" dirty="0"/>
           </a:p>
         </p:txBody>
       </p:sp>
@@ -7358,7 +7463,7 @@
             <a:spLocks noGrp="1"/>
           </p:cNvSpPr>
           <p:nvPr>
-            <p:ph type="sldNum" sz="quarter" idx="10"/>
+            <p:ph type="sldNum" sz="quarter" idx="5"/>
           </p:nvPr>
         </p:nvSpPr>
         <p:spPr/>
@@ -7369,7 +7474,7 @@
             <a:fld id="{43331ED6-6D14-48A8-97BD-7BF3D7B9109B}" type="slidenum">
               <a:rPr lang="pt-BR" smtClean="0"/>
               <a:pPr/>
-              <a:t>10</a:t>
+              <a:t>8</a:t>
             </a:fld>
             <a:endParaRPr lang="pt-BR"/>
           </a:p>
@@ -7378,7 +7483,7 @@
     </p:spTree>
     <p:extLst>
       <p:ext uri="{BB962C8B-B14F-4D97-AF65-F5344CB8AC3E}">
-        <p14:creationId xmlns:p14="http://schemas.microsoft.com/office/powerpoint/2010/main" val="2734939588"/>
+        <p14:creationId xmlns:p14="http://schemas.microsoft.com/office/powerpoint/2010/main" val="2994924058"/>
       </p:ext>
     </p:extLst>
   </p:cSld>
@@ -7434,13 +7539,21 @@
           <a:p>
             <a:r>
               <a:rPr lang="pt-BR" dirty="0"/>
-              <a:t>O ponteiro é uma variável</a:t>
+              <a:t>No exemplo</a:t>
             </a:r>
             <a:r>
               <a:rPr lang="pt-BR" baseline="0" dirty="0"/>
-              <a:t> como outra qualquer, tendo sua vida ligada ao seu escopo.</a:t>
-            </a:r>
-            <a:endParaRPr lang="pt-BR" dirty="0"/>
+              <a:t> anterior ficou faltando uma coisa importante, usar o </a:t>
+            </a:r>
+            <a:r>
+              <a:rPr lang="pt-BR" b="1" baseline="0" dirty="0"/>
+              <a:t>delete</a:t>
+            </a:r>
+            <a:r>
+              <a:rPr lang="pt-BR" b="0" baseline="0" dirty="0"/>
+              <a:t> para liberar a memória alocada.</a:t>
+            </a:r>
+            <a:endParaRPr lang="pt-BR" b="0" dirty="0"/>
           </a:p>
         </p:txBody>
       </p:sp>
@@ -7462,7 +7575,7 @@
             <a:fld id="{43331ED6-6D14-48A8-97BD-7BF3D7B9109B}" type="slidenum">
               <a:rPr lang="pt-BR" smtClean="0"/>
               <a:pPr/>
-              <a:t>11</a:t>
+              <a:t>10</a:t>
             </a:fld>
             <a:endParaRPr lang="pt-BR"/>
           </a:p>
@@ -7471,7 +7584,7 @@
     </p:spTree>
     <p:extLst>
       <p:ext uri="{BB962C8B-B14F-4D97-AF65-F5344CB8AC3E}">
-        <p14:creationId xmlns:p14="http://schemas.microsoft.com/office/powerpoint/2010/main" val="1734292953"/>
+        <p14:creationId xmlns:p14="http://schemas.microsoft.com/office/powerpoint/2010/main" val="2734939588"/>
       </p:ext>
     </p:extLst>
   </p:cSld>
@@ -7525,6 +7638,14 @@
           <a:bodyPr/>
           <a:lstStyle/>
           <a:p>
+            <a:r>
+              <a:rPr lang="pt-BR" dirty="0"/>
+              <a:t>O ponteiro é uma variável</a:t>
+            </a:r>
+            <a:r>
+              <a:rPr lang="pt-BR" baseline="0" dirty="0"/>
+              <a:t> como outra qualquer, tendo sua vida ligada ao seu escopo.</a:t>
+            </a:r>
             <a:endParaRPr lang="pt-BR" dirty="0"/>
           </a:p>
         </p:txBody>
@@ -7547,7 +7668,7 @@
             <a:fld id="{43331ED6-6D14-48A8-97BD-7BF3D7B9109B}" type="slidenum">
               <a:rPr lang="pt-BR" smtClean="0"/>
               <a:pPr/>
-              <a:t>16</a:t>
+              <a:t>11</a:t>
             </a:fld>
             <a:endParaRPr lang="pt-BR"/>
           </a:p>
@@ -7556,7 +7677,7 @@
     </p:spTree>
     <p:extLst>
       <p:ext uri="{BB962C8B-B14F-4D97-AF65-F5344CB8AC3E}">
-        <p14:creationId xmlns:p14="http://schemas.microsoft.com/office/powerpoint/2010/main" val="2898576263"/>
+        <p14:creationId xmlns:p14="http://schemas.microsoft.com/office/powerpoint/2010/main" val="1734292953"/>
       </p:ext>
     </p:extLst>
   </p:cSld>
@@ -7610,10 +7731,7 @@
           <a:bodyPr/>
           <a:lstStyle/>
           <a:p>
-            <a:r>
-              <a:rPr lang="pt-BR" dirty="0"/>
-              <a:t>Para evitar problemas, a função que deu new é a função que tem que fazer o delete.</a:t>
-            </a:r>
+            <a:endParaRPr lang="pt-BR" dirty="0"/>
           </a:p>
         </p:txBody>
       </p:sp>
@@ -7635,7 +7753,7 @@
             <a:fld id="{43331ED6-6D14-48A8-97BD-7BF3D7B9109B}" type="slidenum">
               <a:rPr lang="pt-BR" smtClean="0"/>
               <a:pPr/>
-              <a:t>17</a:t>
+              <a:t>16</a:t>
             </a:fld>
             <a:endParaRPr lang="pt-BR"/>
           </a:p>
@@ -7644,7 +7762,7 @@
     </p:spTree>
     <p:extLst>
       <p:ext uri="{BB962C8B-B14F-4D97-AF65-F5344CB8AC3E}">
-        <p14:creationId xmlns:p14="http://schemas.microsoft.com/office/powerpoint/2010/main" val="2336470958"/>
+        <p14:creationId xmlns:p14="http://schemas.microsoft.com/office/powerpoint/2010/main" val="2898576263"/>
       </p:ext>
     </p:extLst>
   </p:cSld>
@@ -7681,12 +7799,7 @@
             <p:ph type="sldImg"/>
           </p:nvPr>
         </p:nvSpPr>
-        <p:spPr>
-          <a:xfrm>
-            <a:off x="381000" y="685800"/>
-            <a:ext cx="6096000" cy="3429000"/>
-          </a:xfrm>
-        </p:spPr>
+        <p:spPr/>
       </p:sp>
       <p:sp>
         <p:nvSpPr>
@@ -7700,24 +7813,13 @@
         </p:nvSpPr>
         <p:spPr/>
         <p:txBody>
-          <a:bodyPr>
-            <a:normAutofit/>
-          </a:bodyPr>
+          <a:bodyPr/>
           <a:lstStyle/>
           <a:p>
             <a:r>
               <a:rPr lang="pt-BR" dirty="0"/>
-              <a:t>O</a:t>
-            </a:r>
-            <a:r>
-              <a:rPr lang="pt-BR" baseline="0" dirty="0"/>
-              <a:t> principal uso de new e delete é para criar vetores e registros </a:t>
-            </a:r>
-            <a:r>
-              <a:rPr lang="pt-BR" baseline="0"/>
-              <a:t>dinâmicos.</a:t>
-            </a:r>
-            <a:endParaRPr lang="pt-BR" dirty="0"/>
+              <a:t>Para evitar problemas, a função que deu new é a função que tem que fazer o delete.</a:t>
+            </a:r>
           </a:p>
         </p:txBody>
       </p:sp>
@@ -7739,7 +7841,7 @@
             <a:fld id="{43331ED6-6D14-48A8-97BD-7BF3D7B9109B}" type="slidenum">
               <a:rPr lang="pt-BR" smtClean="0"/>
               <a:pPr/>
-              <a:t>20</a:t>
+              <a:t>17</a:t>
             </a:fld>
             <a:endParaRPr lang="pt-BR"/>
           </a:p>
@@ -7748,7 +7850,7 @@
     </p:spTree>
     <p:extLst>
       <p:ext uri="{BB962C8B-B14F-4D97-AF65-F5344CB8AC3E}">
-        <p14:creationId xmlns:p14="http://schemas.microsoft.com/office/powerpoint/2010/main" val="3134964097"/>
+        <p14:creationId xmlns:p14="http://schemas.microsoft.com/office/powerpoint/2010/main" val="2336470958"/>
       </p:ext>
     </p:extLst>
   </p:cSld>
